--- a/Project_Presentation.pptx
+++ b/Project_Presentation.pptx
@@ -4069,187 +4069,7 @@
 <dgm:dataModel xmlns:dgm="http://schemas.openxmlformats.org/drawingml/2006/diagram" xmlns:a="http://schemas.openxmlformats.org/drawingml/2006/main">
   <dgm:ptLst>
     <dgm:pt modelId="{8B474A96-699D-4562-A688-EAD791DE2C09}" type="doc">
-      <dgm:prSet loTypeId="urn:microsoft.com/office/officeart/2005/8/layout/chevronAccent+Icon" loCatId="process" qsTypeId="urn:microsoft.com/office/officeart/2005/8/quickstyle/simple1" qsCatId="simple" csTypeId="urn:microsoft.com/office/officeart/2005/8/colors/accent1_2" csCatId="accent1"/>
-      <dgm:spPr/>
-      <dgm:t>
-        <a:bodyPr/>
-        <a:lstStyle/>
-        <a:p>
-          <a:endParaRPr lang="en-US"/>
-        </a:p>
-      </dgm:t>
-    </dgm:pt>
-    <dgm:pt modelId="{BD16F26D-29E6-4376-AF6F-223CA76AC087}">
-      <dgm:prSet/>
-      <dgm:spPr/>
-      <dgm:t>
-        <a:bodyPr/>
-        <a:lstStyle/>
-        <a:p>
-          <a:r>
-            <a:rPr lang="en-US"/>
-            <a:t>Designing the algorithm based on Series Percentile Index. </a:t>
-          </a:r>
-        </a:p>
-      </dgm:t>
-    </dgm:pt>
-    <dgm:pt modelId="{D360F6F7-AB65-44C1-8BA4-5F39F0186005}" type="sibTrans" cxnId="{B2645D0C-D338-446B-9005-5B4E5A834BE9}">
-      <dgm:prSet/>
-      <dgm:spPr/>
-      <dgm:t>
-        <a:bodyPr/>
-        <a:lstStyle/>
-        <a:p>
-          <a:endParaRPr lang="en-US"/>
-        </a:p>
-      </dgm:t>
-    </dgm:pt>
-    <dgm:pt modelId="{8B00F6AD-A87A-4546-9FE2-954272AE42D7}" type="parTrans" cxnId="{B2645D0C-D338-446B-9005-5B4E5A834BE9}">
-      <dgm:prSet/>
-      <dgm:spPr/>
-      <dgm:t>
-        <a:bodyPr/>
-        <a:lstStyle/>
-        <a:p>
-          <a:endParaRPr lang="en-US"/>
-        </a:p>
-      </dgm:t>
-    </dgm:pt>
-    <dgm:pt modelId="{A02CD52E-4DD3-49AF-AFD2-5BCD9DDA1DDD}">
-      <dgm:prSet/>
-      <dgm:spPr/>
-      <dgm:t>
-        <a:bodyPr/>
-        <a:lstStyle/>
-        <a:p>
-          <a:r>
-            <a:rPr lang="en-US"/>
-            <a:t>Predicting the teams </a:t>
-          </a:r>
-        </a:p>
-      </dgm:t>
-    </dgm:pt>
-    <dgm:pt modelId="{426B848E-BB93-465E-843E-3B1215308A74}" type="sibTrans" cxnId="{50397423-FAEC-47CE-ABD5-15A39036199C}">
-      <dgm:prSet/>
-      <dgm:spPr/>
-      <dgm:t>
-        <a:bodyPr/>
-        <a:lstStyle/>
-        <a:p>
-          <a:endParaRPr lang="en-US"/>
-        </a:p>
-      </dgm:t>
-    </dgm:pt>
-    <dgm:pt modelId="{8AB5DA75-7A84-4642-9FB2-DEC463E56DDC}" type="parTrans" cxnId="{50397423-FAEC-47CE-ABD5-15A39036199C}">
-      <dgm:prSet/>
-      <dgm:spPr/>
-      <dgm:t>
-        <a:bodyPr/>
-        <a:lstStyle/>
-        <a:p>
-          <a:endParaRPr lang="en-US"/>
-        </a:p>
-      </dgm:t>
-    </dgm:pt>
-    <dgm:pt modelId="{33837B40-CDA0-44C3-AF9D-237A86A6BE70}">
-      <dgm:prSet/>
-      <dgm:spPr/>
-      <dgm:t>
-        <a:bodyPr/>
-        <a:lstStyle/>
-        <a:p>
-          <a:r>
-            <a:rPr lang="en-US"/>
-            <a:t>Iterating the datasets for the players</a:t>
-          </a:r>
-        </a:p>
-      </dgm:t>
-    </dgm:pt>
-    <dgm:pt modelId="{D7DC8F5C-0A54-4B85-B48C-D57712924D60}" type="sibTrans" cxnId="{0B906BA6-CE69-43DD-ACAC-44EE34E590A1}">
-      <dgm:prSet/>
-      <dgm:spPr/>
-      <dgm:t>
-        <a:bodyPr/>
-        <a:lstStyle/>
-        <a:p>
-          <a:endParaRPr lang="en-US"/>
-        </a:p>
-      </dgm:t>
-    </dgm:pt>
-    <dgm:pt modelId="{59BA6456-5CA4-48DE-AFBA-E624C8AFB7D6}" type="parTrans" cxnId="{0B906BA6-CE69-43DD-ACAC-44EE34E590A1}">
-      <dgm:prSet/>
-      <dgm:spPr/>
-      <dgm:t>
-        <a:bodyPr/>
-        <a:lstStyle/>
-        <a:p>
-          <a:endParaRPr lang="en-US"/>
-        </a:p>
-      </dgm:t>
-    </dgm:pt>
-    <dgm:pt modelId="{035126D7-FE1C-421B-8B01-BFB5F8B4044D}">
-      <dgm:prSet/>
-      <dgm:spPr/>
-      <dgm:t>
-        <a:bodyPr/>
-        <a:lstStyle/>
-        <a:p>
-          <a:r>
-            <a:rPr lang="en-US"/>
-            <a:t>Modifying the datasets </a:t>
-          </a:r>
-        </a:p>
-      </dgm:t>
-    </dgm:pt>
-    <dgm:pt modelId="{3A1141CA-DC46-4A00-8EAF-66546687C7B3}" type="sibTrans" cxnId="{795A41C3-D5E7-46EE-ACF1-E936699B573D}">
-      <dgm:prSet/>
-      <dgm:spPr/>
-      <dgm:t>
-        <a:bodyPr/>
-        <a:lstStyle/>
-        <a:p>
-          <a:endParaRPr lang="en-US"/>
-        </a:p>
-      </dgm:t>
-    </dgm:pt>
-    <dgm:pt modelId="{0150EBC1-82DE-4B5F-90EE-BD20810F6A5C}" type="parTrans" cxnId="{795A41C3-D5E7-46EE-ACF1-E936699B573D}">
-      <dgm:prSet/>
-      <dgm:spPr/>
-      <dgm:t>
-        <a:bodyPr/>
-        <a:lstStyle/>
-        <a:p>
-          <a:endParaRPr lang="en-US"/>
-        </a:p>
-      </dgm:t>
-    </dgm:pt>
-    <dgm:pt modelId="{8C0CD008-BBE1-4649-A7D7-DC4B00F8D633}">
-      <dgm:prSet/>
-      <dgm:spPr/>
-      <dgm:t>
-        <a:bodyPr/>
-        <a:lstStyle/>
-        <a:p>
-          <a:r>
-            <a:rPr lang="en-US"/>
-            <a:t>WebScraping</a:t>
-          </a:r>
-        </a:p>
-      </dgm:t>
-    </dgm:pt>
-    <dgm:pt modelId="{A7B93F92-7A97-4FB9-93B7-F4C1582E62BE}" type="sibTrans" cxnId="{33A1538A-9915-4932-9ABC-ABDB52E64021}">
-      <dgm:prSet/>
-      <dgm:spPr/>
-      <dgm:t>
-        <a:bodyPr/>
-        <a:lstStyle/>
-        <a:p>
-          <a:endParaRPr lang="en-US"/>
-        </a:p>
-      </dgm:t>
-    </dgm:pt>
-    <dgm:pt modelId="{19CDE479-6FD9-434B-874E-0719C904C4F1}" type="parTrans" cxnId="{33A1538A-9915-4932-9ABC-ABDB52E64021}">
-      <dgm:prSet/>
+      <dgm:prSet loTypeId="urn:microsoft.com/office/officeart/2005/8/layout/chevronAccent+Icon" loCatId="process" qsTypeId="urn:microsoft.com/office/officeart/2005/8/quickstyle/simple1" qsCatId="simple" csTypeId="urn:microsoft.com/office/officeart/2005/8/colors/accent1_2" csCatId="accent1" phldr="1"/>
       <dgm:spPr/>
       <dgm:t>
         <a:bodyPr/>
@@ -4266,34 +4086,7 @@
         <a:bodyPr/>
         <a:lstStyle/>
         <a:p>
-          <a:r>
-            <a:rPr lang="en-US" dirty="0"/>
-            <a:t>The concepts learnt in the course such as function decorators, function call overheads, </a:t>
-          </a:r>
-          <a:r>
-            <a:rPr lang="en-US" dirty="0" err="1"/>
-            <a:t>itertools</a:t>
-          </a:r>
-          <a:r>
-            <a:rPr lang="en-US" dirty="0"/>
-            <a:t>, </a:t>
-          </a:r>
-          <a:r>
-            <a:rPr lang="en-US" dirty="0" err="1"/>
-            <a:t>cython</a:t>
-          </a:r>
-          <a:r>
-            <a:rPr lang="en-US" dirty="0"/>
-            <a:t> and/or </a:t>
-          </a:r>
-          <a:r>
-            <a:rPr lang="en-US" dirty="0" err="1"/>
-            <a:t>numba</a:t>
-          </a:r>
-          <a:r>
-            <a:rPr lang="en-US" dirty="0"/>
-            <a:t> and other python inbuilt functions and packages will be applied for the following steps –</a:t>
-          </a:r>
+          <a:endParaRPr lang="en-US" dirty="0"/>
         </a:p>
       </dgm:t>
     </dgm:pt>
@@ -4346,19 +4139,9 @@
     </dgm:pt>
   </dgm:ptLst>
   <dgm:cxnLst>
-    <dgm:cxn modelId="{B2645D0C-D338-446B-9005-5B4E5A834BE9}" srcId="{C2DC08B1-FD4D-4F2B-ADA4-5D4EA1B3A17D}" destId="{BD16F26D-29E6-4376-AF6F-223CA76AC087}" srcOrd="4" destOrd="0" parTransId="{8B00F6AD-A87A-4546-9FE2-954272AE42D7}" sibTransId="{D360F6F7-AB65-44C1-8BA4-5F39F0186005}"/>
-    <dgm:cxn modelId="{50397423-FAEC-47CE-ABD5-15A39036199C}" srcId="{C2DC08B1-FD4D-4F2B-ADA4-5D4EA1B3A17D}" destId="{A02CD52E-4DD3-49AF-AFD2-5BCD9DDA1DDD}" srcOrd="3" destOrd="0" parTransId="{8AB5DA75-7A84-4642-9FB2-DEC463E56DDC}" sibTransId="{426B848E-BB93-465E-843E-3B1215308A74}"/>
-    <dgm:cxn modelId="{ABC7CB2D-2A39-4784-958A-FE879A5CBCF4}" type="presOf" srcId="{8C0CD008-BBE1-4649-A7D7-DC4B00F8D633}" destId="{F2C1DFAF-E358-4651-A6F9-60417AF03C5D}" srcOrd="0" destOrd="1" presId="urn:microsoft.com/office/officeart/2005/8/layout/chevronAccent+Icon"/>
     <dgm:cxn modelId="{8EA4663C-BBBC-4198-95C6-18148916454A}" type="presOf" srcId="{8B474A96-699D-4562-A688-EAD791DE2C09}" destId="{FC88653D-81A9-44EC-A7EE-BDE6268F92D1}" srcOrd="0" destOrd="0" presId="urn:microsoft.com/office/officeart/2005/8/layout/chevronAccent+Icon"/>
     <dgm:cxn modelId="{AA54B263-3DCE-4BED-8E27-D28467ADA474}" srcId="{8B474A96-699D-4562-A688-EAD791DE2C09}" destId="{C2DC08B1-FD4D-4F2B-ADA4-5D4EA1B3A17D}" srcOrd="0" destOrd="0" parTransId="{02D680CB-8739-4313-BB3C-D85DCB5A89CC}" sibTransId="{229E0D46-5B2A-4071-BE95-C8E53903B7C9}"/>
-    <dgm:cxn modelId="{33A1538A-9915-4932-9ABC-ABDB52E64021}" srcId="{C2DC08B1-FD4D-4F2B-ADA4-5D4EA1B3A17D}" destId="{8C0CD008-BBE1-4649-A7D7-DC4B00F8D633}" srcOrd="0" destOrd="0" parTransId="{19CDE479-6FD9-434B-874E-0719C904C4F1}" sibTransId="{A7B93F92-7A97-4FB9-93B7-F4C1582E62BE}"/>
-    <dgm:cxn modelId="{C11AFE97-10D5-4A27-83D0-CBAFCA76C010}" type="presOf" srcId="{33837B40-CDA0-44C3-AF9D-237A86A6BE70}" destId="{F2C1DFAF-E358-4651-A6F9-60417AF03C5D}" srcOrd="0" destOrd="3" presId="urn:microsoft.com/office/officeart/2005/8/layout/chevronAccent+Icon"/>
-    <dgm:cxn modelId="{62F6C49A-B614-4F3B-BD30-C825A0F7C01C}" type="presOf" srcId="{A02CD52E-4DD3-49AF-AFD2-5BCD9DDA1DDD}" destId="{F2C1DFAF-E358-4651-A6F9-60417AF03C5D}" srcOrd="0" destOrd="4" presId="urn:microsoft.com/office/officeart/2005/8/layout/chevronAccent+Icon"/>
-    <dgm:cxn modelId="{F0FAE79C-0892-4CB6-814A-0067A3C64435}" type="presOf" srcId="{035126D7-FE1C-421B-8B01-BFB5F8B4044D}" destId="{F2C1DFAF-E358-4651-A6F9-60417AF03C5D}" srcOrd="0" destOrd="2" presId="urn:microsoft.com/office/officeart/2005/8/layout/chevronAccent+Icon"/>
-    <dgm:cxn modelId="{0B906BA6-CE69-43DD-ACAC-44EE34E590A1}" srcId="{C2DC08B1-FD4D-4F2B-ADA4-5D4EA1B3A17D}" destId="{33837B40-CDA0-44C3-AF9D-237A86A6BE70}" srcOrd="2" destOrd="0" parTransId="{59BA6456-5CA4-48DE-AFBA-E624C8AFB7D6}" sibTransId="{D7DC8F5C-0A54-4B85-B48C-D57712924D60}"/>
-    <dgm:cxn modelId="{795A41C3-D5E7-46EE-ACF1-E936699B573D}" srcId="{C2DC08B1-FD4D-4F2B-ADA4-5D4EA1B3A17D}" destId="{035126D7-FE1C-421B-8B01-BFB5F8B4044D}" srcOrd="1" destOrd="0" parTransId="{0150EBC1-82DE-4B5F-90EE-BD20810F6A5C}" sibTransId="{3A1141CA-DC46-4A00-8EAF-66546687C7B3}"/>
     <dgm:cxn modelId="{B18BD1E2-A694-4B1B-9D7F-884BE2988F3A}" type="presOf" srcId="{C2DC08B1-FD4D-4F2B-ADA4-5D4EA1B3A17D}" destId="{F2C1DFAF-E358-4651-A6F9-60417AF03C5D}" srcOrd="0" destOrd="0" presId="urn:microsoft.com/office/officeart/2005/8/layout/chevronAccent+Icon"/>
-    <dgm:cxn modelId="{5BFD58FC-95E0-4DE2-80EE-8527B4B5D881}" type="presOf" srcId="{BD16F26D-29E6-4376-AF6F-223CA76AC087}" destId="{F2C1DFAF-E358-4651-A6F9-60417AF03C5D}" srcOrd="0" destOrd="5" presId="urn:microsoft.com/office/officeart/2005/8/layout/chevronAccent+Icon"/>
     <dgm:cxn modelId="{CC4BDF7A-3F8D-4D8A-A7A6-110E07AAC6DD}" type="presParOf" srcId="{FC88653D-81A9-44EC-A7EE-BDE6268F92D1}" destId="{C724C91C-7A8A-4E64-BCCA-CD77CF3FC928}" srcOrd="0" destOrd="0" presId="urn:microsoft.com/office/officeart/2005/8/layout/chevronAccent+Icon"/>
     <dgm:cxn modelId="{FF3DF985-43D3-43B2-9CA9-1CDB19EDABDA}" type="presParOf" srcId="{C724C91C-7A8A-4E64-BCCA-CD77CF3FC928}" destId="{ED95E9E2-87C4-4652-90CE-08C9350AE2FE}" srcOrd="0" destOrd="0" presId="urn:microsoft.com/office/officeart/2005/8/layout/chevronAccent+Icon"/>
     <dgm:cxn modelId="{0EAA8683-0AA8-4871-A7FD-5732CA3BBEA2}" type="presParOf" srcId="{C724C91C-7A8A-4E64-BCCA-CD77CF3FC928}" destId="{F2C1DFAF-E358-4651-A6F9-60417AF03C5D}" srcOrd="1" destOrd="0" presId="urn:microsoft.com/office/officeart/2005/8/layout/chevronAccent+Icon"/>
@@ -6033,12 +5816,12 @@
         <a:fontRef idx="minor"/>
       </dsp:style>
       <dsp:txBody>
-        <a:bodyPr spcFirstLastPara="0" vert="horz" wrap="square" lIns="163576" tIns="163576" rIns="163576" bIns="163576" numCol="1" spcCol="1270" anchor="t" anchorCtr="0">
+        <a:bodyPr spcFirstLastPara="0" vert="horz" wrap="square" lIns="462280" tIns="462280" rIns="462280" bIns="462280" numCol="1" spcCol="1270" anchor="ctr" anchorCtr="0">
           <a:noAutofit/>
         </a:bodyPr>
         <a:lstStyle/>
         <a:p>
-          <a:pPr marL="0" lvl="0" indent="0" algn="l" defTabSz="1022350">
+          <a:pPr marL="0" lvl="0" indent="0" algn="ctr" defTabSz="2889250">
             <a:lnSpc>
               <a:spcPct val="90000"/>
             </a:lnSpc>
@@ -6050,124 +5833,7 @@
             </a:spcAft>
             <a:buNone/>
           </a:pPr>
-          <a:r>
-            <a:rPr lang="en-US" sz="2300" kern="1200" dirty="0"/>
-            <a:t>The concepts learnt in the course such as function decorators, function call overheads, </a:t>
-          </a:r>
-          <a:r>
-            <a:rPr lang="en-US" sz="2300" kern="1200" dirty="0" err="1"/>
-            <a:t>itertools</a:t>
-          </a:r>
-          <a:r>
-            <a:rPr lang="en-US" sz="2300" kern="1200" dirty="0"/>
-            <a:t>, </a:t>
-          </a:r>
-          <a:r>
-            <a:rPr lang="en-US" sz="2300" kern="1200" dirty="0" err="1"/>
-            <a:t>cython</a:t>
-          </a:r>
-          <a:r>
-            <a:rPr lang="en-US" sz="2300" kern="1200" dirty="0"/>
-            <a:t> and/or </a:t>
-          </a:r>
-          <a:r>
-            <a:rPr lang="en-US" sz="2300" kern="1200" dirty="0" err="1"/>
-            <a:t>numba</a:t>
-          </a:r>
-          <a:r>
-            <a:rPr lang="en-US" sz="2300" kern="1200" dirty="0"/>
-            <a:t> and other python inbuilt functions and packages will be applied for the following steps –</a:t>
-          </a:r>
-        </a:p>
-        <a:p>
-          <a:pPr marL="171450" lvl="1" indent="-171450" algn="l" defTabSz="800100">
-            <a:lnSpc>
-              <a:spcPct val="90000"/>
-            </a:lnSpc>
-            <a:spcBef>
-              <a:spcPct val="0"/>
-            </a:spcBef>
-            <a:spcAft>
-              <a:spcPct val="15000"/>
-            </a:spcAft>
-            <a:buChar char="•"/>
-          </a:pPr>
-          <a:r>
-            <a:rPr lang="en-US" sz="1800" kern="1200"/>
-            <a:t>WebScraping</a:t>
-          </a:r>
-        </a:p>
-        <a:p>
-          <a:pPr marL="171450" lvl="1" indent="-171450" algn="l" defTabSz="800100">
-            <a:lnSpc>
-              <a:spcPct val="90000"/>
-            </a:lnSpc>
-            <a:spcBef>
-              <a:spcPct val="0"/>
-            </a:spcBef>
-            <a:spcAft>
-              <a:spcPct val="15000"/>
-            </a:spcAft>
-            <a:buChar char="•"/>
-          </a:pPr>
-          <a:r>
-            <a:rPr lang="en-US" sz="1800" kern="1200"/>
-            <a:t>Modifying the datasets </a:t>
-          </a:r>
-        </a:p>
-        <a:p>
-          <a:pPr marL="171450" lvl="1" indent="-171450" algn="l" defTabSz="800100">
-            <a:lnSpc>
-              <a:spcPct val="90000"/>
-            </a:lnSpc>
-            <a:spcBef>
-              <a:spcPct val="0"/>
-            </a:spcBef>
-            <a:spcAft>
-              <a:spcPct val="15000"/>
-            </a:spcAft>
-            <a:buChar char="•"/>
-          </a:pPr>
-          <a:r>
-            <a:rPr lang="en-US" sz="1800" kern="1200"/>
-            <a:t>Iterating the datasets for the players</a:t>
-          </a:r>
-        </a:p>
-        <a:p>
-          <a:pPr marL="171450" lvl="1" indent="-171450" algn="l" defTabSz="800100">
-            <a:lnSpc>
-              <a:spcPct val="90000"/>
-            </a:lnSpc>
-            <a:spcBef>
-              <a:spcPct val="0"/>
-            </a:spcBef>
-            <a:spcAft>
-              <a:spcPct val="15000"/>
-            </a:spcAft>
-            <a:buChar char="•"/>
-          </a:pPr>
-          <a:r>
-            <a:rPr lang="en-US" sz="1800" kern="1200"/>
-            <a:t>Predicting the teams </a:t>
-          </a:r>
-        </a:p>
-        <a:p>
-          <a:pPr marL="171450" lvl="1" indent="-171450" algn="l" defTabSz="800100">
-            <a:lnSpc>
-              <a:spcPct val="90000"/>
-            </a:lnSpc>
-            <a:spcBef>
-              <a:spcPct val="0"/>
-            </a:spcBef>
-            <a:spcAft>
-              <a:spcPct val="15000"/>
-            </a:spcAft>
-            <a:buChar char="•"/>
-          </a:pPr>
-          <a:r>
-            <a:rPr lang="en-US" sz="1800" kern="1200"/>
-            <a:t>Designing the algorithm based on Series Percentile Index. </a:t>
-          </a:r>
+          <a:endParaRPr lang="en-US" sz="6500" kern="1200" dirty="0"/>
         </a:p>
       </dsp:txBody>
       <dsp:txXfrm>
@@ -11329,7 +10995,7 @@
           <a:p>
             <a:fld id="{C21BEBAE-8E93-495E-B037-D70C97ADF7CB}" type="datetimeFigureOut">
               <a:rPr lang="en-US" smtClean="0"/>
-              <a:t>3/8/2018</a:t>
+              <a:t>4/26/2018</a:t>
             </a:fld>
             <a:endParaRPr lang="en-US"/>
           </a:p>
@@ -11540,7 +11206,7 @@
           <a:p>
             <a:fld id="{C21BEBAE-8E93-495E-B037-D70C97ADF7CB}" type="datetimeFigureOut">
               <a:rPr lang="en-US" smtClean="0"/>
-              <a:t>3/8/2018</a:t>
+              <a:t>4/26/2018</a:t>
             </a:fld>
             <a:endParaRPr lang="en-US"/>
           </a:p>
@@ -11755,7 +11421,7 @@
           <a:p>
             <a:fld id="{C21BEBAE-8E93-495E-B037-D70C97ADF7CB}" type="datetimeFigureOut">
               <a:rPr lang="en-US" smtClean="0"/>
-              <a:t>3/8/2018</a:t>
+              <a:t>4/26/2018</a:t>
             </a:fld>
             <a:endParaRPr lang="en-US"/>
           </a:p>
@@ -11956,7 +11622,7 @@
           <a:p>
             <a:fld id="{C21BEBAE-8E93-495E-B037-D70C97ADF7CB}" type="datetimeFigureOut">
               <a:rPr lang="en-US" smtClean="0"/>
-              <a:t>3/8/2018</a:t>
+              <a:t>4/26/2018</a:t>
             </a:fld>
             <a:endParaRPr lang="en-US"/>
           </a:p>
@@ -12235,7 +11901,7 @@
           <a:p>
             <a:fld id="{C21BEBAE-8E93-495E-B037-D70C97ADF7CB}" type="datetimeFigureOut">
               <a:rPr lang="en-US" smtClean="0"/>
-              <a:t>3/8/2018</a:t>
+              <a:t>4/26/2018</a:t>
             </a:fld>
             <a:endParaRPr lang="en-US"/>
           </a:p>
@@ -12503,7 +12169,7 @@
           <a:p>
             <a:fld id="{C21BEBAE-8E93-495E-B037-D70C97ADF7CB}" type="datetimeFigureOut">
               <a:rPr lang="en-US" smtClean="0"/>
-              <a:t>3/8/2018</a:t>
+              <a:t>4/26/2018</a:t>
             </a:fld>
             <a:endParaRPr lang="en-US"/>
           </a:p>
@@ -12919,7 +12585,7 @@
           <a:p>
             <a:fld id="{C21BEBAE-8E93-495E-B037-D70C97ADF7CB}" type="datetimeFigureOut">
               <a:rPr lang="en-US" smtClean="0"/>
-              <a:t>3/8/2018</a:t>
+              <a:t>4/26/2018</a:t>
             </a:fld>
             <a:endParaRPr lang="en-US"/>
           </a:p>
@@ -13068,7 +12734,7 @@
           <a:p>
             <a:fld id="{C21BEBAE-8E93-495E-B037-D70C97ADF7CB}" type="datetimeFigureOut">
               <a:rPr lang="en-US" smtClean="0"/>
-              <a:t>3/8/2018</a:t>
+              <a:t>4/26/2018</a:t>
             </a:fld>
             <a:endParaRPr lang="en-US"/>
           </a:p>
@@ -13194,7 +12860,7 @@
           <a:p>
             <a:fld id="{C21BEBAE-8E93-495E-B037-D70C97ADF7CB}" type="datetimeFigureOut">
               <a:rPr lang="en-US" smtClean="0"/>
-              <a:t>3/8/2018</a:t>
+              <a:t>4/26/2018</a:t>
             </a:fld>
             <a:endParaRPr lang="en-US"/>
           </a:p>
@@ -13445,7 +13111,7 @@
           <a:p>
             <a:fld id="{C21BEBAE-8E93-495E-B037-D70C97ADF7CB}" type="datetimeFigureOut">
               <a:rPr lang="en-US" smtClean="0"/>
-              <a:t>3/8/2018</a:t>
+              <a:t>4/26/2018</a:t>
             </a:fld>
             <a:endParaRPr lang="en-US"/>
           </a:p>
@@ -13890,7 +13556,7 @@
           <a:p>
             <a:fld id="{C21BEBAE-8E93-495E-B037-D70C97ADF7CB}" type="datetimeFigureOut">
               <a:rPr lang="en-US" smtClean="0"/>
-              <a:t>3/8/2018</a:t>
+              <a:t>4/26/2018</a:t>
             </a:fld>
             <a:endParaRPr lang="en-US"/>
           </a:p>
@@ -14216,7 +13882,7 @@
           <a:p>
             <a:fld id="{C21BEBAE-8E93-495E-B037-D70C97ADF7CB}" type="datetimeFigureOut">
               <a:rPr lang="en-US" smtClean="0"/>
-              <a:t>3/8/2018</a:t>
+              <a:t>4/26/2018</a:t>
             </a:fld>
             <a:endParaRPr lang="en-US"/>
           </a:p>
@@ -15729,7 +15395,7 @@
           <a:lstStyle/>
           <a:p>
             <a:r>
-              <a:rPr lang="en-US">
+              <a:rPr lang="en-US" dirty="0">
                 <a:solidFill>
                   <a:schemeClr val="bg1"/>
                 </a:solidFill>
@@ -15739,7 +15405,7 @@
           </a:p>
           <a:p>
             <a:r>
-              <a:rPr lang="en-US">
+              <a:rPr lang="en-US" dirty="0">
                 <a:solidFill>
                   <a:schemeClr val="bg1"/>
                 </a:solidFill>
@@ -15749,7 +15415,7 @@
           </a:p>
           <a:p>
             <a:r>
-              <a:rPr lang="en-US">
+              <a:rPr lang="en-US" dirty="0">
                 <a:solidFill>
                   <a:schemeClr val="bg1"/>
                 </a:solidFill>
@@ -15759,7 +15425,7 @@
           </a:p>
           <a:p>
             <a:r>
-              <a:rPr lang="en-US">
+              <a:rPr lang="en-US" dirty="0">
                 <a:solidFill>
                   <a:schemeClr val="bg1"/>
                 </a:solidFill>
@@ -15771,7 +15437,7 @@
             <a:pPr marL="0" indent="0">
               <a:buNone/>
             </a:pPr>
-            <a:endParaRPr lang="en-US">
+            <a:endParaRPr lang="en-US" dirty="0">
               <a:solidFill>
                 <a:schemeClr val="bg1"/>
               </a:solidFill>
@@ -15782,7 +15448,7 @@
               <a:buNone/>
             </a:pPr>
             <a:r>
-              <a:rPr lang="en-US">
+              <a:rPr lang="en-US" dirty="0">
                 <a:solidFill>
                   <a:schemeClr val="bg1"/>
                 </a:solidFill>
@@ -15791,7 +15457,7 @@
             </a:r>
           </a:p>
           <a:p>
-            <a:endParaRPr lang="en-US">
+            <a:endParaRPr lang="en-US" dirty="0">
               <a:solidFill>
                 <a:schemeClr val="bg1"/>
               </a:solidFill>
@@ -15904,7 +15570,7 @@
             <p:ph idx="1"/>
             <p:extLst>
               <p:ext uri="{D42A27DB-BD31-4B8C-83A1-F6EECF244321}">
-                <p14:modId xmlns:p14="http://schemas.microsoft.com/office/powerpoint/2010/main" val="856476255"/>
+                <p14:modId xmlns:p14="http://schemas.microsoft.com/office/powerpoint/2010/main" val="663342138"/>
               </p:ext>
             </p:extLst>
           </p:nvPr>
@@ -16413,7 +16079,7 @@
         </p:nvGraphicFramePr>
         <p:xfrm>
           <a:off x="935008" y="3830588"/>
-          <a:ext cx="2682240" cy="1435103"/>
+          <a:ext cx="2682240" cy="1374204"/>
         </p:xfrm>
         <a:graphic>
           <a:graphicData uri="http://schemas.openxmlformats.org/drawingml/2006/table">
@@ -17428,7 +17094,7 @@
         </p:nvGraphicFramePr>
         <p:xfrm>
           <a:off x="4421576" y="3830588"/>
-          <a:ext cx="2710180" cy="1435103"/>
+          <a:ext cx="2710180" cy="1374204"/>
         </p:xfrm>
         <a:graphic>
           <a:graphicData uri="http://schemas.openxmlformats.org/drawingml/2006/table">
@@ -18437,7 +18103,7 @@
         </p:nvGraphicFramePr>
         <p:xfrm>
           <a:off x="8014920" y="3784559"/>
-          <a:ext cx="2731770" cy="1435103"/>
+          <a:ext cx="2731770" cy="1374204"/>
         </p:xfrm>
         <a:graphic>
           <a:graphicData uri="http://schemas.openxmlformats.org/drawingml/2006/table">
